--- a/documents/eda.pptx
+++ b/documents/eda.pptx
@@ -30,6 +30,9 @@
     <p:sldId id="278" r:id="rId24"/>
     <p:sldId id="271" r:id="rId25"/>
     <p:sldId id="275" r:id="rId26"/>
+    <p:sldId id="284" r:id="rId27"/>
+    <p:sldId id="283" r:id="rId28"/>
+    <p:sldId id="286" r:id="rId29"/>
   </p:sldIdLst>
   <p:sldSz cx="12192000" cy="6858000"/>
   <p:notesSz cx="6858000" cy="9144000"/>
@@ -128,6 +131,11 @@
       </a:defRPr>
     </a:lvl9pPr>
   </p:defaultTextStyle>
+  <p:extLst>
+    <p:ext uri="{EFAFB233-063F-42B5-8137-9DF3F51BA10A}">
+      <p15:sldGuideLst xmlns:p15="http://schemas.microsoft.com/office/powerpoint/2012/main"/>
+    </p:ext>
+  </p:extLst>
 </p:presentation>
 </file>
 
@@ -4966,6 +4974,293 @@
     <p:extLst>
       <p:ext uri="{BB962C8B-B14F-4D97-AF65-F5344CB8AC3E}">
         <p14:creationId xmlns:p14="http://schemas.microsoft.com/office/powerpoint/2010/main" val="1150748410"/>
+      </p:ext>
+    </p:extLst>
+  </p:cSld>
+  <p:clrMapOvr>
+    <a:masterClrMapping/>
+  </p:clrMapOvr>
+</p:sld>
+</file>
+
+<file path=ppt/slides/slide26.xml><?xml version="1.0" encoding="utf-8"?>
+<p:sld xmlns:a="http://schemas.openxmlformats.org/drawingml/2006/main" xmlns:r="http://schemas.openxmlformats.org/officeDocument/2006/relationships" xmlns:p="http://schemas.openxmlformats.org/presentationml/2006/main">
+  <p:cSld>
+    <p:spTree>
+      <p:nvGrpSpPr>
+        <p:cNvPr id="1" name=""/>
+        <p:cNvGrpSpPr/>
+        <p:nvPr/>
+      </p:nvGrpSpPr>
+      <p:grpSpPr>
+        <a:xfrm>
+          <a:off x="0" y="0"/>
+          <a:ext cx="0" cy="0"/>
+          <a:chOff x="0" y="0"/>
+          <a:chExt cx="0" cy="0"/>
+        </a:xfrm>
+      </p:grpSpPr>
+      <p:sp>
+        <p:nvSpPr>
+          <p:cNvPr id="2" name="Title 1">
+            <a:extLst>
+              <a:ext uri="{FF2B5EF4-FFF2-40B4-BE49-F238E27FC236}">
+                <a16:creationId xmlns:a16="http://schemas.microsoft.com/office/drawing/2014/main" id="{3BC95740-16F7-4222-AF94-E48C57A886D6}"/>
+              </a:ext>
+            </a:extLst>
+          </p:cNvPr>
+          <p:cNvSpPr>
+            <a:spLocks noGrp="1"/>
+          </p:cNvSpPr>
+          <p:nvPr>
+            <p:ph type="title"/>
+          </p:nvPr>
+        </p:nvSpPr>
+        <p:spPr/>
+        <p:txBody>
+          <a:bodyPr/>
+          <a:lstStyle/>
+          <a:p>
+            <a:r>
+              <a:rPr lang="en-SG" dirty="0"/>
+              <a:t>Combine</a:t>
+            </a:r>
+          </a:p>
+        </p:txBody>
+      </p:sp>
+      <p:sp>
+        <p:nvSpPr>
+          <p:cNvPr id="3" name="Content Placeholder 2">
+            <a:extLst>
+              <a:ext uri="{FF2B5EF4-FFF2-40B4-BE49-F238E27FC236}">
+                <a16:creationId xmlns:a16="http://schemas.microsoft.com/office/drawing/2014/main" id="{C12BDD91-5984-48FE-97F1-2C68CA228D7F}"/>
+              </a:ext>
+            </a:extLst>
+          </p:cNvPr>
+          <p:cNvSpPr>
+            <a:spLocks noGrp="1"/>
+          </p:cNvSpPr>
+          <p:nvPr>
+            <p:ph idx="1"/>
+          </p:nvPr>
+        </p:nvSpPr>
+        <p:spPr/>
+        <p:txBody>
+          <a:bodyPr/>
+          <a:lstStyle/>
+          <a:p>
+            <a:endParaRPr lang="en-SG" dirty="0"/>
+          </a:p>
+        </p:txBody>
+      </p:sp>
+    </p:spTree>
+    <p:extLst>
+      <p:ext uri="{BB962C8B-B14F-4D97-AF65-F5344CB8AC3E}">
+        <p14:creationId xmlns:p14="http://schemas.microsoft.com/office/powerpoint/2010/main" val="495095223"/>
+      </p:ext>
+    </p:extLst>
+  </p:cSld>
+  <p:clrMapOvr>
+    <a:masterClrMapping/>
+  </p:clrMapOvr>
+</p:sld>
+</file>
+
+<file path=ppt/slides/slide27.xml><?xml version="1.0" encoding="utf-8"?>
+<p:sld xmlns:a="http://schemas.openxmlformats.org/drawingml/2006/main" xmlns:r="http://schemas.openxmlformats.org/officeDocument/2006/relationships" xmlns:p="http://schemas.openxmlformats.org/presentationml/2006/main">
+  <p:cSld>
+    <p:spTree>
+      <p:nvGrpSpPr>
+        <p:cNvPr id="1" name=""/>
+        <p:cNvGrpSpPr/>
+        <p:nvPr/>
+      </p:nvGrpSpPr>
+      <p:grpSpPr>
+        <a:xfrm>
+          <a:off x="0" y="0"/>
+          <a:ext cx="0" cy="0"/>
+          <a:chOff x="0" y="0"/>
+          <a:chExt cx="0" cy="0"/>
+        </a:xfrm>
+      </p:grpSpPr>
+      <p:pic>
+        <p:nvPicPr>
+          <p:cNvPr id="6" name="Picture 5" descr="A screenshot of a cell phone&#10;&#10;Description automatically generated">
+            <a:extLst>
+              <a:ext uri="{FF2B5EF4-FFF2-40B4-BE49-F238E27FC236}">
+                <a16:creationId xmlns:a16="http://schemas.microsoft.com/office/drawing/2014/main" id="{4761CD76-6E39-450E-937F-01BF9C0C1508}"/>
+              </a:ext>
+            </a:extLst>
+          </p:cNvPr>
+          <p:cNvPicPr>
+            <a:picLocks noChangeAspect="1"/>
+          </p:cNvPicPr>
+          <p:nvPr/>
+        </p:nvPicPr>
+        <p:blipFill>
+          <a:blip r:embed="rId2">
+            <a:extLst>
+              <a:ext uri="{28A0092B-C50C-407E-A947-70E740481C1C}">
+                <a14:useLocalDpi xmlns:a14="http://schemas.microsoft.com/office/drawing/2010/main" val="0"/>
+              </a:ext>
+            </a:extLst>
+          </a:blip>
+          <a:stretch>
+            <a:fillRect/>
+          </a:stretch>
+        </p:blipFill>
+        <p:spPr>
+          <a:xfrm>
+            <a:off x="5106327" y="0"/>
+            <a:ext cx="6926099" cy="6858000"/>
+          </a:xfrm>
+          <a:prstGeom prst="rect">
+            <a:avLst/>
+          </a:prstGeom>
+        </p:spPr>
+      </p:pic>
+      <p:pic>
+        <p:nvPicPr>
+          <p:cNvPr id="7" name="Picture 6" descr="A picture containing screenshot&#10;&#10;Description automatically generated">
+            <a:extLst>
+              <a:ext uri="{FF2B5EF4-FFF2-40B4-BE49-F238E27FC236}">
+                <a16:creationId xmlns:a16="http://schemas.microsoft.com/office/drawing/2014/main" id="{9502941B-F60C-493C-A698-D51DF2AA83DB}"/>
+              </a:ext>
+            </a:extLst>
+          </p:cNvPr>
+          <p:cNvPicPr>
+            <a:picLocks noChangeAspect="1"/>
+          </p:cNvPicPr>
+          <p:nvPr/>
+        </p:nvPicPr>
+        <p:blipFill>
+          <a:blip r:embed="rId3">
+            <a:extLst>
+              <a:ext uri="{28A0092B-C50C-407E-A947-70E740481C1C}">
+                <a14:useLocalDpi xmlns:a14="http://schemas.microsoft.com/office/drawing/2010/main" val="0"/>
+              </a:ext>
+            </a:extLst>
+          </a:blip>
+          <a:stretch>
+            <a:fillRect/>
+          </a:stretch>
+        </p:blipFill>
+        <p:spPr>
+          <a:xfrm>
+            <a:off x="0" y="254833"/>
+            <a:ext cx="4856813" cy="6603167"/>
+          </a:xfrm>
+          <a:prstGeom prst="rect">
+            <a:avLst/>
+          </a:prstGeom>
+        </p:spPr>
+      </p:pic>
+    </p:spTree>
+    <p:extLst>
+      <p:ext uri="{BB962C8B-B14F-4D97-AF65-F5344CB8AC3E}">
+        <p14:creationId xmlns:p14="http://schemas.microsoft.com/office/powerpoint/2010/main" val="1125236549"/>
+      </p:ext>
+    </p:extLst>
+  </p:cSld>
+  <p:clrMapOvr>
+    <a:masterClrMapping/>
+  </p:clrMapOvr>
+</p:sld>
+</file>
+
+<file path=ppt/slides/slide28.xml><?xml version="1.0" encoding="utf-8"?>
+<p:sld xmlns:a="http://schemas.openxmlformats.org/drawingml/2006/main" xmlns:r="http://schemas.openxmlformats.org/officeDocument/2006/relationships" xmlns:p="http://schemas.openxmlformats.org/presentationml/2006/main">
+  <p:cSld>
+    <p:spTree>
+      <p:nvGrpSpPr>
+        <p:cNvPr id="1" name=""/>
+        <p:cNvGrpSpPr/>
+        <p:nvPr/>
+      </p:nvGrpSpPr>
+      <p:grpSpPr>
+        <a:xfrm>
+          <a:off x="0" y="0"/>
+          <a:ext cx="0" cy="0"/>
+          <a:chOff x="0" y="0"/>
+          <a:chExt cx="0" cy="0"/>
+        </a:xfrm>
+      </p:grpSpPr>
+      <p:pic>
+        <p:nvPicPr>
+          <p:cNvPr id="6" name="Picture 5" descr="A screenshot of a cell phone&#10;&#10;Description automatically generated">
+            <a:extLst>
+              <a:ext uri="{FF2B5EF4-FFF2-40B4-BE49-F238E27FC236}">
+                <a16:creationId xmlns:a16="http://schemas.microsoft.com/office/drawing/2014/main" id="{4761CD76-6E39-450E-937F-01BF9C0C1508}"/>
+              </a:ext>
+            </a:extLst>
+          </p:cNvPr>
+          <p:cNvPicPr>
+            <a:picLocks noChangeAspect="1"/>
+          </p:cNvPicPr>
+          <p:nvPr/>
+        </p:nvPicPr>
+        <p:blipFill>
+          <a:blip r:embed="rId2">
+            <a:extLst>
+              <a:ext uri="{28A0092B-C50C-407E-A947-70E740481C1C}">
+                <a14:useLocalDpi xmlns:a14="http://schemas.microsoft.com/office/drawing/2010/main" val="0"/>
+              </a:ext>
+            </a:extLst>
+          </a:blip>
+          <a:stretch>
+            <a:fillRect/>
+          </a:stretch>
+        </p:blipFill>
+        <p:spPr>
+          <a:xfrm>
+            <a:off x="5284922" y="0"/>
+            <a:ext cx="6747504" cy="6858000"/>
+          </a:xfrm>
+          <a:prstGeom prst="rect">
+            <a:avLst/>
+          </a:prstGeom>
+        </p:spPr>
+      </p:pic>
+      <p:pic>
+        <p:nvPicPr>
+          <p:cNvPr id="4" name="Picture 3" descr="A picture containing screenshot&#10;&#10;Description automatically generated">
+            <a:extLst>
+              <a:ext uri="{FF2B5EF4-FFF2-40B4-BE49-F238E27FC236}">
+                <a16:creationId xmlns:a16="http://schemas.microsoft.com/office/drawing/2014/main" id="{D357F94B-B7E6-4F87-9572-A2D44345C6CE}"/>
+              </a:ext>
+            </a:extLst>
+          </p:cNvPr>
+          <p:cNvPicPr>
+            <a:picLocks noChangeAspect="1"/>
+          </p:cNvPicPr>
+          <p:nvPr/>
+        </p:nvPicPr>
+        <p:blipFill>
+          <a:blip r:embed="rId3">
+            <a:extLst>
+              <a:ext uri="{28A0092B-C50C-407E-A947-70E740481C1C}">
+                <a14:useLocalDpi xmlns:a14="http://schemas.microsoft.com/office/drawing/2010/main" val="0"/>
+              </a:ext>
+            </a:extLst>
+          </a:blip>
+          <a:stretch>
+            <a:fillRect/>
+          </a:stretch>
+        </p:blipFill>
+        <p:spPr>
+          <a:xfrm>
+            <a:off x="-6144098" y="574528"/>
+            <a:ext cx="11544893" cy="5708943"/>
+          </a:xfrm>
+          <a:prstGeom prst="rect">
+            <a:avLst/>
+          </a:prstGeom>
+        </p:spPr>
+      </p:pic>
+    </p:spTree>
+    <p:extLst>
+      <p:ext uri="{BB962C8B-B14F-4D97-AF65-F5344CB8AC3E}">
+        <p14:creationId xmlns:p14="http://schemas.microsoft.com/office/powerpoint/2010/main" val="739047962"/>
       </p:ext>
     </p:extLst>
   </p:cSld>
